--- a/reference_material/slides/013_arrays.pptx
+++ b/reference_material/slides/013_arrays.pptx
@@ -13,15 +13,20 @@
     <p:sldId id="265" r:id="rId7"/>
     <p:sldId id="264" r:id="rId8"/>
     <p:sldId id="268" r:id="rId9"/>
-    <p:sldId id="266" r:id="rId10"/>
-    <p:sldId id="261" r:id="rId11"/>
-    <p:sldId id="262" r:id="rId12"/>
-    <p:sldId id="260" r:id="rId13"/>
-    <p:sldId id="259" r:id="rId14"/>
-    <p:sldId id="267" r:id="rId15"/>
-    <p:sldId id="270" r:id="rId16"/>
-    <p:sldId id="269" r:id="rId17"/>
-    <p:sldId id="271" r:id="rId18"/>
+    <p:sldId id="274" r:id="rId10"/>
+    <p:sldId id="276" r:id="rId11"/>
+    <p:sldId id="275" r:id="rId12"/>
+    <p:sldId id="266" r:id="rId13"/>
+    <p:sldId id="261" r:id="rId14"/>
+    <p:sldId id="277" r:id="rId15"/>
+    <p:sldId id="262" r:id="rId16"/>
+    <p:sldId id="273" r:id="rId17"/>
+    <p:sldId id="260" r:id="rId18"/>
+    <p:sldId id="259" r:id="rId19"/>
+    <p:sldId id="267" r:id="rId20"/>
+    <p:sldId id="270" r:id="rId21"/>
+    <p:sldId id="269" r:id="rId22"/>
+    <p:sldId id="271" r:id="rId23"/>
   </p:sldIdLst>
   <p:sldSz cx="12192000" cy="6858000"/>
   <p:notesSz cx="6858000" cy="9144000"/>
@@ -133,13 +138,18 @@
             <p14:sldId id="265"/>
             <p14:sldId id="264"/>
             <p14:sldId id="268"/>
+            <p14:sldId id="274"/>
+            <p14:sldId id="276"/>
+            <p14:sldId id="275"/>
           </p14:sldIdLst>
         </p14:section>
         <p14:section name="Array details" id="{52269AA0-2B47-744B-824B-D5515BEF7E40}">
           <p14:sldIdLst>
             <p14:sldId id="266"/>
             <p14:sldId id="261"/>
+            <p14:sldId id="277"/>
             <p14:sldId id="262"/>
+            <p14:sldId id="273"/>
             <p14:sldId id="260"/>
             <p14:sldId id="259"/>
             <p14:sldId id="267"/>
@@ -149,6 +159,9 @@
           </p14:sldIdLst>
         </p14:section>
       </p14:sectionLst>
+    </p:ext>
+    <p:ext uri="{EFAFB233-063F-42B5-8137-9DF3F51BA10A}">
+      <p15:sldGuideLst xmlns:p15="http://schemas.microsoft.com/office/powerpoint/2012/main"/>
     </p:ext>
   </p:extLst>
 </p:presentation>
@@ -293,7 +306,7 @@
           <a:p>
             <a:fld id="{330A16A9-9C96-D848-AF42-A324651C4C76}" type="datetimeFigureOut">
               <a:rPr lang="en-US" smtClean="0"/>
-              <a:t>10/2/23</a:t>
+              <a:t>10/8/24</a:t>
             </a:fld>
             <a:endParaRPr lang="en-US"/>
           </a:p>
@@ -504,7 +517,7 @@
           <a:p>
             <a:fld id="{330A16A9-9C96-D848-AF42-A324651C4C76}" type="datetimeFigureOut">
               <a:rPr lang="en-US" smtClean="0"/>
-              <a:t>10/2/23</a:t>
+              <a:t>10/8/24</a:t>
             </a:fld>
             <a:endParaRPr lang="en-US"/>
           </a:p>
@@ -719,7 +732,7 @@
           <a:p>
             <a:fld id="{330A16A9-9C96-D848-AF42-A324651C4C76}" type="datetimeFigureOut">
               <a:rPr lang="en-US" smtClean="0"/>
-              <a:t>10/2/23</a:t>
+              <a:t>10/8/24</a:t>
             </a:fld>
             <a:endParaRPr lang="en-US"/>
           </a:p>
@@ -920,7 +933,7 @@
           <a:p>
             <a:fld id="{330A16A9-9C96-D848-AF42-A324651C4C76}" type="datetimeFigureOut">
               <a:rPr lang="en-US" smtClean="0"/>
-              <a:t>10/2/23</a:t>
+              <a:t>10/8/24</a:t>
             </a:fld>
             <a:endParaRPr lang="en-US"/>
           </a:p>
@@ -1199,7 +1212,7 @@
           <a:p>
             <a:fld id="{330A16A9-9C96-D848-AF42-A324651C4C76}" type="datetimeFigureOut">
               <a:rPr lang="en-US" smtClean="0"/>
-              <a:t>10/2/23</a:t>
+              <a:t>10/8/24</a:t>
             </a:fld>
             <a:endParaRPr lang="en-US"/>
           </a:p>
@@ -1467,7 +1480,7 @@
           <a:p>
             <a:fld id="{330A16A9-9C96-D848-AF42-A324651C4C76}" type="datetimeFigureOut">
               <a:rPr lang="en-US" smtClean="0"/>
-              <a:t>10/2/23</a:t>
+              <a:t>10/8/24</a:t>
             </a:fld>
             <a:endParaRPr lang="en-US"/>
           </a:p>
@@ -1883,7 +1896,7 @@
           <a:p>
             <a:fld id="{330A16A9-9C96-D848-AF42-A324651C4C76}" type="datetimeFigureOut">
               <a:rPr lang="en-US" smtClean="0"/>
-              <a:t>10/2/23</a:t>
+              <a:t>10/8/24</a:t>
             </a:fld>
             <a:endParaRPr lang="en-US"/>
           </a:p>
@@ -2032,7 +2045,7 @@
           <a:p>
             <a:fld id="{330A16A9-9C96-D848-AF42-A324651C4C76}" type="datetimeFigureOut">
               <a:rPr lang="en-US" smtClean="0"/>
-              <a:t>10/2/23</a:t>
+              <a:t>10/8/24</a:t>
             </a:fld>
             <a:endParaRPr lang="en-US"/>
           </a:p>
@@ -2158,7 +2171,7 @@
           <a:p>
             <a:fld id="{330A16A9-9C96-D848-AF42-A324651C4C76}" type="datetimeFigureOut">
               <a:rPr lang="en-US" smtClean="0"/>
-              <a:t>10/2/23</a:t>
+              <a:t>10/8/24</a:t>
             </a:fld>
             <a:endParaRPr lang="en-US"/>
           </a:p>
@@ -2409,7 +2422,7 @@
           <a:p>
             <a:fld id="{330A16A9-9C96-D848-AF42-A324651C4C76}" type="datetimeFigureOut">
               <a:rPr lang="en-US" smtClean="0"/>
-              <a:t>10/2/23</a:t>
+              <a:t>10/8/24</a:t>
             </a:fld>
             <a:endParaRPr lang="en-US"/>
           </a:p>
@@ -2854,7 +2867,7 @@
           <a:p>
             <a:fld id="{330A16A9-9C96-D848-AF42-A324651C4C76}" type="datetimeFigureOut">
               <a:rPr lang="en-US" smtClean="0"/>
-              <a:t>10/2/23</a:t>
+              <a:t>10/8/24</a:t>
             </a:fld>
             <a:endParaRPr lang="en-US"/>
           </a:p>
@@ -3181,7 +3194,7 @@
           <a:p>
             <a:fld id="{330A16A9-9C96-D848-AF42-A324651C4C76}" type="datetimeFigureOut">
               <a:rPr lang="en-US" smtClean="0"/>
-              <a:t>10/2/23</a:t>
+              <a:t>10/8/24</a:t>
             </a:fld>
             <a:endParaRPr lang="en-US"/>
           </a:p>
@@ -3719,90 +3732,68 @@
         </p:spPr>
         <p:txBody>
           <a:bodyPr>
-            <a:normAutofit lnSpcReduction="10000"/>
+            <a:normAutofit/>
           </a:bodyPr>
           <a:lstStyle/>
           <a:p>
             <a:r>
               <a:rPr lang="en-US" dirty="0"/>
-              <a:t>Lab 2 Review:</a:t>
-            </a:r>
-          </a:p>
-          <a:p>
-            <a:pPr lvl="1"/>
-            <a:r>
-              <a:rPr lang="en-US" dirty="0"/>
-              <a:t>Example solution in repository. </a:t>
-            </a:r>
-          </a:p>
-          <a:p>
-            <a:pPr lvl="1"/>
-            <a:r>
-              <a:rPr lang="en-US" dirty="0"/>
-              <a:t>I’ll go over a few common points that I saw, please ask if something doesn’t make sense. </a:t>
-            </a:r>
-          </a:p>
-          <a:p>
-            <a:r>
-              <a:rPr lang="en-US" dirty="0"/>
-              <a:t>Lab 3 – there is a </a:t>
-            </a:r>
-            <a:r>
-              <a:rPr lang="en-US" dirty="0" err="1"/>
-              <a:t>dropbox</a:t>
-            </a:r>
-            <a:r>
-              <a:rPr lang="en-US" dirty="0"/>
-              <a:t> up, I had it labeled “</a:t>
-            </a:r>
-            <a:r>
-              <a:rPr lang="en-US" dirty="0" err="1"/>
-              <a:t>Asn</a:t>
-            </a:r>
-            <a:r>
-              <a:rPr lang="en-US" dirty="0"/>
-              <a:t> 3” by mistake for a while. </a:t>
-            </a:r>
-          </a:p>
-          <a:p>
-            <a:r>
-              <a:rPr lang="en-US" dirty="0"/>
-              <a:t>Exam next time:</a:t>
-            </a:r>
-          </a:p>
-          <a:p>
-            <a:pPr lvl="1"/>
-            <a:r>
-              <a:rPr lang="en-US" dirty="0"/>
-              <a:t>Open book. Normal browser. </a:t>
-            </a:r>
-          </a:p>
-          <a:p>
-            <a:pPr lvl="1"/>
-            <a:r>
-              <a:rPr lang="en-US" dirty="0"/>
-              <a:t>90 minutes. Approximately 35-40 questions. Mostly MC, might be a couple of SA.</a:t>
-            </a:r>
-          </a:p>
-          <a:p>
-            <a:pPr lvl="2"/>
-            <a:r>
-              <a:rPr lang="en-US" dirty="0"/>
-              <a:t>“knowledge” questions, what does this code do? What is the issue in this code? </a:t>
-            </a:r>
-          </a:p>
-          <a:p>
-            <a:pPr lvl="1"/>
-            <a:r>
-              <a:rPr lang="en-US" dirty="0"/>
-              <a:t>Similar in complexity to the lab stuff, our class examples are more complex. </a:t>
-            </a:r>
-          </a:p>
-          <a:p>
-            <a:pPr lvl="1"/>
-            <a:r>
-              <a:rPr lang="en-US" dirty="0"/>
-              <a:t>Basics of python and programming – basic variables, common operations, data structures, string manipulation, debugging, logic controls, loops. </a:t>
+              <a:t>Exam:</a:t>
+            </a:r>
+          </a:p>
+          <a:p>
+            <a:pPr lvl="1"/>
+            <a:r>
+              <a:rPr lang="en-US" dirty="0"/>
+              <a:t>Programming Q3 – removed from marks, taken as up to 1 bonus mark, I fail programming. </a:t>
+            </a:r>
+          </a:p>
+          <a:p>
+            <a:pPr lvl="1"/>
+            <a:r>
+              <a:rPr lang="en-US" dirty="0"/>
+              <a:t>Otherwise, pretty good. </a:t>
+            </a:r>
+          </a:p>
+          <a:p>
+            <a:pPr lvl="1"/>
+            <a:r>
+              <a:rPr lang="en-US" dirty="0"/>
+              <a:t>Mark totaling in LMS is slightly off, I need to figure out adjusting weighting without breaking it.</a:t>
+            </a:r>
+          </a:p>
+          <a:p>
+            <a:r>
+              <a:rPr lang="en-US" dirty="0"/>
+              <a:t>Today:</a:t>
+            </a:r>
+          </a:p>
+          <a:p>
+            <a:pPr lvl="1"/>
+            <a:r>
+              <a:rPr lang="en-US" dirty="0"/>
+              <a:t>Arrays – like lists, but more rigid. </a:t>
+            </a:r>
+          </a:p>
+          <a:p>
+            <a:pPr lvl="1"/>
+            <a:r>
+              <a:rPr lang="en-US" dirty="0"/>
+              <a:t>Easy and pretty simple – we need arrays mainly later next semester. </a:t>
+            </a:r>
+          </a:p>
+          <a:p>
+            <a:pPr lvl="1"/>
+            <a:r>
+              <a:rPr lang="en-US" dirty="0"/>
+              <a:t>Multidimensional data structure introduction. </a:t>
+            </a:r>
+          </a:p>
+          <a:p>
+            <a:pPr lvl="1"/>
+            <a:r>
+              <a:rPr lang="en-US" dirty="0"/>
+              <a:t>Some theory of computing background knowledge. </a:t>
             </a:r>
           </a:p>
         </p:txBody>
@@ -3821,160 +3812,6 @@
 </file>
 
 <file path=ppt/slides/slide10.xml><?xml version="1.0" encoding="utf-8"?>
-<p:sld xmlns:a="http://schemas.openxmlformats.org/drawingml/2006/main" xmlns:r="http://schemas.openxmlformats.org/officeDocument/2006/relationships" xmlns:p="http://schemas.openxmlformats.org/presentationml/2006/main">
-  <p:cSld>
-    <p:spTree>
-      <p:nvGrpSpPr>
-        <p:cNvPr id="1" name=""/>
-        <p:cNvGrpSpPr/>
-        <p:nvPr/>
-      </p:nvGrpSpPr>
-      <p:grpSpPr>
-        <a:xfrm>
-          <a:off x="0" y="0"/>
-          <a:ext cx="0" cy="0"/>
-          <a:chOff x="0" y="0"/>
-          <a:chExt cx="0" cy="0"/>
-        </a:xfrm>
-      </p:grpSpPr>
-      <p:sp>
-        <p:nvSpPr>
-          <p:cNvPr id="2" name="Title 1">
-            <a:extLst>
-              <a:ext uri="{FF2B5EF4-FFF2-40B4-BE49-F238E27FC236}">
-                <a16:creationId xmlns:a16="http://schemas.microsoft.com/office/drawing/2014/main" id="{9C914D61-9EB5-3FFD-2F89-6E020E17F7FD}"/>
-              </a:ext>
-            </a:extLst>
-          </p:cNvPr>
-          <p:cNvSpPr>
-            <a:spLocks noGrp="1"/>
-          </p:cNvSpPr>
-          <p:nvPr>
-            <p:ph type="title"/>
-          </p:nvPr>
-        </p:nvSpPr>
-        <p:spPr/>
-        <p:txBody>
-          <a:bodyPr/>
-          <a:lstStyle/>
-          <a:p>
-            <a:r>
-              <a:rPr lang="en-US" dirty="0"/>
-              <a:t>Python Arrays</a:t>
-            </a:r>
-          </a:p>
-        </p:txBody>
-      </p:sp>
-      <p:sp>
-        <p:nvSpPr>
-          <p:cNvPr id="3" name="Content Placeholder 2">
-            <a:extLst>
-              <a:ext uri="{FF2B5EF4-FFF2-40B4-BE49-F238E27FC236}">
-                <a16:creationId xmlns:a16="http://schemas.microsoft.com/office/drawing/2014/main" id="{B7829259-C79A-D0BA-290E-2EE0248099FC}"/>
-              </a:ext>
-            </a:extLst>
-          </p:cNvPr>
-          <p:cNvSpPr>
-            <a:spLocks noGrp="1"/>
-          </p:cNvSpPr>
-          <p:nvPr>
-            <p:ph idx="1"/>
-          </p:nvPr>
-        </p:nvSpPr>
-        <p:spPr>
-          <a:xfrm>
-            <a:off x="1451579" y="2015732"/>
-            <a:ext cx="9603275" cy="4037749"/>
-          </a:xfrm>
-        </p:spPr>
-        <p:txBody>
-          <a:bodyPr/>
-          <a:lstStyle/>
-          <a:p>
-            <a:r>
-              <a:rPr lang="en-US" dirty="0"/>
-              <a:t>The arrays that we use are provided by a package called </a:t>
-            </a:r>
-            <a:r>
-              <a:rPr lang="en-US" dirty="0" err="1"/>
-              <a:t>numpy</a:t>
-            </a:r>
-            <a:r>
-              <a:rPr lang="en-US" dirty="0"/>
-              <a:t>. </a:t>
-            </a:r>
-          </a:p>
-          <a:p>
-            <a:pPr lvl="1"/>
-            <a:r>
-              <a:rPr lang="en-US" dirty="0"/>
-              <a:t>Commonly imported with a “np” alias. </a:t>
-            </a:r>
-          </a:p>
-          <a:p>
-            <a:pPr lvl="1"/>
-            <a:r>
-              <a:rPr lang="en-US" dirty="0" err="1"/>
-              <a:t>Numpy</a:t>
-            </a:r>
-            <a:r>
-              <a:rPr lang="en-US" dirty="0"/>
-              <a:t> is a scientific computing package.</a:t>
-            </a:r>
-          </a:p>
-          <a:p>
-            <a:r>
-              <a:rPr lang="en-US" dirty="0"/>
-              <a:t>Commonly used and often required for machine learning work. </a:t>
-            </a:r>
-          </a:p>
-          <a:p>
-            <a:pPr lvl="1"/>
-            <a:r>
-              <a:rPr lang="en-US" dirty="0"/>
-              <a:t>Data fed into a model is often an array, even if we prepare it before making it an array. </a:t>
-            </a:r>
-          </a:p>
-          <a:p>
-            <a:pPr lvl="1"/>
-            <a:r>
-              <a:rPr lang="en-US" dirty="0"/>
-              <a:t>When doing lots of calculations inside a model, the speed matters. </a:t>
-            </a:r>
-          </a:p>
-          <a:p>
-            <a:pPr lvl="1"/>
-            <a:r>
-              <a:rPr lang="en-US" dirty="0"/>
-              <a:t>We want to get the benefits of the array (speed). </a:t>
-            </a:r>
-          </a:p>
-          <a:p>
-            <a:pPr lvl="1"/>
-            <a:r>
-              <a:rPr lang="en-US" dirty="0"/>
-              <a:t>The limitations of an array are between positive and neutral – fixed type and length. </a:t>
-            </a:r>
-          </a:p>
-          <a:p>
-            <a:endParaRPr lang="en-US" dirty="0"/>
-          </a:p>
-        </p:txBody>
-      </p:sp>
-    </p:spTree>
-    <p:extLst>
-      <p:ext uri="{BB962C8B-B14F-4D97-AF65-F5344CB8AC3E}">
-        <p14:creationId xmlns:p14="http://schemas.microsoft.com/office/powerpoint/2010/main" val="3600369454"/>
-      </p:ext>
-    </p:extLst>
-  </p:cSld>
-  <p:clrMapOvr>
-    <a:masterClrMapping/>
-  </p:clrMapOvr>
-</p:sld>
-</file>
-
-<file path=ppt/slides/slide11.xml><?xml version="1.0" encoding="utf-8"?>
 <p:sld xmlns:a="http://schemas.openxmlformats.org/drawingml/2006/main" xmlns:r="http://schemas.openxmlformats.org/officeDocument/2006/relationships" xmlns:p="http://schemas.openxmlformats.org/presentationml/2006/main">
   <p:cSld>
     <p:bg>
@@ -4017,6 +3854,763 @@
       </p:grpSpPr>
       <p:sp>
         <p:nvSpPr>
+          <p:cNvPr id="2" name="Title 1">
+            <a:extLst>
+              <a:ext uri="{FF2B5EF4-FFF2-40B4-BE49-F238E27FC236}">
+                <a16:creationId xmlns:a16="http://schemas.microsoft.com/office/drawing/2014/main" id="{2CED3502-339B-25BA-A5F9-0A5F5C10CF61}"/>
+              </a:ext>
+            </a:extLst>
+          </p:cNvPr>
+          <p:cNvSpPr>
+            <a:spLocks noGrp="1"/>
+          </p:cNvSpPr>
+          <p:nvPr>
+            <p:ph type="title"/>
+          </p:nvPr>
+        </p:nvSpPr>
+        <p:spPr>
+          <a:xfrm>
+            <a:off x="1451579" y="804519"/>
+            <a:ext cx="9603275" cy="1049235"/>
+          </a:xfrm>
+        </p:spPr>
+        <p:txBody>
+          <a:bodyPr>
+            <a:normAutofit/>
+          </a:bodyPr>
+          <a:lstStyle/>
+          <a:p>
+            <a:r>
+              <a:rPr lang="en-US" dirty="0"/>
+              <a:t>Python Execution</a:t>
+            </a:r>
+          </a:p>
+        </p:txBody>
+      </p:sp>
+      <p:sp>
+        <p:nvSpPr>
+          <p:cNvPr id="3" name="Content Placeholder 2">
+            <a:extLst>
+              <a:ext uri="{FF2B5EF4-FFF2-40B4-BE49-F238E27FC236}">
+                <a16:creationId xmlns:a16="http://schemas.microsoft.com/office/drawing/2014/main" id="{AC496199-2B64-B5B4-7CB0-D35B8FCE4D85}"/>
+              </a:ext>
+            </a:extLst>
+          </p:cNvPr>
+          <p:cNvSpPr>
+            <a:spLocks noGrp="1"/>
+          </p:cNvSpPr>
+          <p:nvPr>
+            <p:ph idx="1"/>
+          </p:nvPr>
+        </p:nvSpPr>
+        <p:spPr>
+          <a:xfrm>
+            <a:off x="348343" y="2015734"/>
+            <a:ext cx="5746068" cy="4037747"/>
+          </a:xfrm>
+        </p:spPr>
+        <p:txBody>
+          <a:bodyPr>
+            <a:normAutofit/>
+          </a:bodyPr>
+          <a:lstStyle/>
+          <a:p>
+            <a:r>
+              <a:rPr lang="en-US" dirty="0"/>
+              <a:t>Python code executes by being combined with libraries into a virtual environment. </a:t>
+            </a:r>
+          </a:p>
+          <a:p>
+            <a:r>
+              <a:rPr lang="en-US" dirty="0"/>
+              <a:t>Byte code is the intermediate version of code that the interpreter generates. </a:t>
+            </a:r>
+          </a:p>
+          <a:p>
+            <a:r>
+              <a:rPr lang="en-US" dirty="0"/>
+              <a:t>Anything in the code or libraries “exists” in the world of the program. </a:t>
+            </a:r>
+          </a:p>
+        </p:txBody>
+      </p:sp>
+      <p:pic>
+        <p:nvPicPr>
+          <p:cNvPr id="2050" name="Picture 2" descr="Introduction to Python Programming - Easy to Understand Guide | Pro Code  Guide">
+            <a:extLst>
+              <a:ext uri="{FF2B5EF4-FFF2-40B4-BE49-F238E27FC236}">
+                <a16:creationId xmlns:a16="http://schemas.microsoft.com/office/drawing/2014/main" id="{304DF1E5-2F1C-1086-63DF-48460ACAA2E2}"/>
+              </a:ext>
+            </a:extLst>
+          </p:cNvPr>
+          <p:cNvPicPr>
+            <a:picLocks noChangeAspect="1" noChangeArrowheads="1"/>
+          </p:cNvPicPr>
+          <p:nvPr/>
+        </p:nvPicPr>
+        <p:blipFill>
+          <a:blip r:embed="rId2">
+            <a:extLst>
+              <a:ext uri="{28A0092B-C50C-407E-A947-70E740481C1C}">
+                <a14:useLocalDpi xmlns:a14="http://schemas.microsoft.com/office/drawing/2010/main" val="0"/>
+              </a:ext>
+            </a:extLst>
+          </a:blip>
+          <a:stretch>
+            <a:fillRect/>
+          </a:stretch>
+        </p:blipFill>
+        <p:spPr bwMode="auto">
+          <a:xfrm>
+            <a:off x="6094411" y="2119930"/>
+            <a:ext cx="6097589" cy="3429892"/>
+          </a:xfrm>
+          <a:prstGeom prst="rect">
+            <a:avLst/>
+          </a:prstGeom>
+          <a:noFill/>
+          <a:extLst>
+            <a:ext uri="{909E8E84-426E-40DD-AFC4-6F175D3DCCD1}">
+              <a14:hiddenFill xmlns:a14="http://schemas.microsoft.com/office/drawing/2010/main">
+                <a:solidFill>
+                  <a:srgbClr val="FFFFFF"/>
+                </a:solidFill>
+              </a14:hiddenFill>
+            </a:ext>
+          </a:extLst>
+        </p:spPr>
+      </p:pic>
+    </p:spTree>
+    <p:extLst>
+      <p:ext uri="{BB962C8B-B14F-4D97-AF65-F5344CB8AC3E}">
+        <p14:creationId xmlns:p14="http://schemas.microsoft.com/office/powerpoint/2010/main" val="3668261395"/>
+      </p:ext>
+    </p:extLst>
+  </p:cSld>
+  <p:clrMapOvr>
+    <a:masterClrMapping/>
+  </p:clrMapOvr>
+</p:sld>
+</file>
+
+<file path=ppt/slides/slide11.xml><?xml version="1.0" encoding="utf-8"?>
+<p:sld xmlns:a="http://schemas.openxmlformats.org/drawingml/2006/main" xmlns:r="http://schemas.openxmlformats.org/officeDocument/2006/relationships" xmlns:p="http://schemas.openxmlformats.org/presentationml/2006/main">
+  <p:cSld>
+    <p:spTree>
+      <p:nvGrpSpPr>
+        <p:cNvPr id="1" name=""/>
+        <p:cNvGrpSpPr/>
+        <p:nvPr/>
+      </p:nvGrpSpPr>
+      <p:grpSpPr>
+        <a:xfrm>
+          <a:off x="0" y="0"/>
+          <a:ext cx="0" cy="0"/>
+          <a:chOff x="0" y="0"/>
+          <a:chExt cx="0" cy="0"/>
+        </a:xfrm>
+      </p:grpSpPr>
+      <p:sp>
+        <p:nvSpPr>
+          <p:cNvPr id="2" name="Title 1">
+            <a:extLst>
+              <a:ext uri="{FF2B5EF4-FFF2-40B4-BE49-F238E27FC236}">
+                <a16:creationId xmlns:a16="http://schemas.microsoft.com/office/drawing/2014/main" id="{C8093514-B922-6379-3559-1E8F5080D92C}"/>
+              </a:ext>
+            </a:extLst>
+          </p:cNvPr>
+          <p:cNvSpPr>
+            <a:spLocks noGrp="1"/>
+          </p:cNvSpPr>
+          <p:nvPr>
+            <p:ph type="title"/>
+          </p:nvPr>
+        </p:nvSpPr>
+        <p:spPr/>
+        <p:txBody>
+          <a:bodyPr/>
+          <a:lstStyle/>
+          <a:p>
+            <a:r>
+              <a:rPr lang="en-US" dirty="0" err="1"/>
+              <a:t>Tl;Dr</a:t>
+            </a:r>
+            <a:endParaRPr lang="en-US" dirty="0"/>
+          </a:p>
+        </p:txBody>
+      </p:sp>
+      <p:sp>
+        <p:nvSpPr>
+          <p:cNvPr id="3" name="Content Placeholder 2">
+            <a:extLst>
+              <a:ext uri="{FF2B5EF4-FFF2-40B4-BE49-F238E27FC236}">
+                <a16:creationId xmlns:a16="http://schemas.microsoft.com/office/drawing/2014/main" id="{8E1F3386-DC73-9186-CBFB-33DA42D1C9E1}"/>
+              </a:ext>
+            </a:extLst>
+          </p:cNvPr>
+          <p:cNvSpPr>
+            <a:spLocks noGrp="1"/>
+          </p:cNvSpPr>
+          <p:nvPr>
+            <p:ph idx="1"/>
+          </p:nvPr>
+        </p:nvSpPr>
+        <p:spPr>
+          <a:xfrm>
+            <a:off x="1451579" y="1914258"/>
+            <a:ext cx="9603275" cy="4139223"/>
+          </a:xfrm>
+        </p:spPr>
+        <p:txBody>
+          <a:bodyPr/>
+          <a:lstStyle/>
+          <a:p>
+            <a:r>
+              <a:rPr lang="en-US" dirty="0"/>
+              <a:t>There are certain places where the physical limits of hardware matter. </a:t>
+            </a:r>
+          </a:p>
+          <a:p>
+            <a:pPr lvl="1"/>
+            <a:r>
+              <a:rPr lang="en-US" dirty="0"/>
+              <a:t>When doing things like ML models, we want fast – arrays and code in C. </a:t>
+            </a:r>
+          </a:p>
+          <a:p>
+            <a:pPr lvl="1"/>
+            <a:r>
+              <a:rPr lang="en-US" dirty="0"/>
+              <a:t>When doing things like exploring and building, we want easy – notebooks, interpreted code, portability. </a:t>
+            </a:r>
+          </a:p>
+          <a:p>
+            <a:r>
+              <a:rPr lang="en-US" dirty="0"/>
+              <a:t>In our ML work, python is easy for the up front work, and most of the processing is written in another language behind the scenes. </a:t>
+            </a:r>
+          </a:p>
+          <a:p>
+            <a:r>
+              <a:rPr lang="en-US" dirty="0"/>
+              <a:t>We can choose the most advantageous tool for the job:</a:t>
+            </a:r>
+          </a:p>
+          <a:p>
+            <a:pPr lvl="1"/>
+            <a:r>
+              <a:rPr lang="en-US" dirty="0"/>
+              <a:t>C would be “easier”/faster to do ML in, since we don’t need to have different languages. </a:t>
+            </a:r>
+          </a:p>
+          <a:p>
+            <a:pPr lvl="1"/>
+            <a:r>
+              <a:rPr lang="en-US" dirty="0"/>
+              <a:t>The work of the data scientist would be far slower and less productive. </a:t>
+            </a:r>
+          </a:p>
+          <a:p>
+            <a:pPr lvl="1"/>
+            <a:r>
+              <a:rPr lang="en-US" dirty="0"/>
+              <a:t>We use what works best, and build bridges to allow them to connect to each other. </a:t>
+            </a:r>
+          </a:p>
+        </p:txBody>
+      </p:sp>
+    </p:spTree>
+    <p:extLst>
+      <p:ext uri="{BB962C8B-B14F-4D97-AF65-F5344CB8AC3E}">
+        <p14:creationId xmlns:p14="http://schemas.microsoft.com/office/powerpoint/2010/main" val="3891374445"/>
+      </p:ext>
+    </p:extLst>
+  </p:cSld>
+  <p:clrMapOvr>
+    <a:masterClrMapping/>
+  </p:clrMapOvr>
+</p:sld>
+</file>
+
+<file path=ppt/slides/slide12.xml><?xml version="1.0" encoding="utf-8"?>
+<p:sld xmlns:a="http://schemas.openxmlformats.org/drawingml/2006/main" xmlns:r="http://schemas.openxmlformats.org/officeDocument/2006/relationships" xmlns:p="http://schemas.openxmlformats.org/presentationml/2006/main">
+  <p:cSld>
+    <p:spTree>
+      <p:nvGrpSpPr>
+        <p:cNvPr id="1" name=""/>
+        <p:cNvGrpSpPr/>
+        <p:nvPr/>
+      </p:nvGrpSpPr>
+      <p:grpSpPr>
+        <a:xfrm>
+          <a:off x="0" y="0"/>
+          <a:ext cx="0" cy="0"/>
+          <a:chOff x="0" y="0"/>
+          <a:chExt cx="0" cy="0"/>
+        </a:xfrm>
+      </p:grpSpPr>
+      <p:sp>
+        <p:nvSpPr>
+          <p:cNvPr id="2" name="Title 1">
+            <a:extLst>
+              <a:ext uri="{FF2B5EF4-FFF2-40B4-BE49-F238E27FC236}">
+                <a16:creationId xmlns:a16="http://schemas.microsoft.com/office/drawing/2014/main" id="{445FB6D0-A728-2299-B67C-2D635938B085}"/>
+              </a:ext>
+            </a:extLst>
+          </p:cNvPr>
+          <p:cNvSpPr>
+            <a:spLocks noGrp="1"/>
+          </p:cNvSpPr>
+          <p:nvPr>
+            <p:ph type="title"/>
+          </p:nvPr>
+        </p:nvSpPr>
+        <p:spPr/>
+        <p:txBody>
+          <a:bodyPr/>
+          <a:lstStyle/>
+          <a:p>
+            <a:r>
+              <a:rPr lang="en-US" dirty="0"/>
+              <a:t>Building the Array</a:t>
+            </a:r>
+          </a:p>
+        </p:txBody>
+      </p:sp>
+      <p:sp>
+        <p:nvSpPr>
+          <p:cNvPr id="3" name="Content Placeholder 2">
+            <a:extLst>
+              <a:ext uri="{FF2B5EF4-FFF2-40B4-BE49-F238E27FC236}">
+                <a16:creationId xmlns:a16="http://schemas.microsoft.com/office/drawing/2014/main" id="{97230C1F-F1F4-08DF-A236-338E90953A29}"/>
+              </a:ext>
+            </a:extLst>
+          </p:cNvPr>
+          <p:cNvSpPr>
+            <a:spLocks noGrp="1"/>
+          </p:cNvSpPr>
+          <p:nvPr>
+            <p:ph idx="1"/>
+          </p:nvPr>
+        </p:nvSpPr>
+        <p:spPr>
+          <a:xfrm>
+            <a:off x="947057" y="1853754"/>
+            <a:ext cx="10570029" cy="4199727"/>
+          </a:xfrm>
+        </p:spPr>
+        <p:txBody>
+          <a:bodyPr/>
+          <a:lstStyle/>
+          <a:p>
+            <a:r>
+              <a:rPr lang="en-US" dirty="0"/>
+              <a:t>We can build the concept of the array up from this. </a:t>
+            </a:r>
+          </a:p>
+          <a:p>
+            <a:pPr lvl="1"/>
+            <a:r>
+              <a:rPr lang="en-US" dirty="0"/>
+              <a:t>Start with several memory addresses with our data. </a:t>
+            </a:r>
+          </a:p>
+          <a:p>
+            <a:pPr lvl="1"/>
+            <a:r>
+              <a:rPr lang="en-US" dirty="0"/>
+              <a:t>Add the ability to treat the data as one object, with indexing offsets. (an array)</a:t>
+            </a:r>
+          </a:p>
+          <a:p>
+            <a:pPr lvl="1"/>
+            <a:r>
+              <a:rPr lang="en-US" dirty="0"/>
+              <a:t>Add the ability for the array to manage it’s own “innards” – memory, length, </a:t>
+            </a:r>
+            <a:r>
+              <a:rPr lang="en-US" dirty="0" err="1"/>
+              <a:t>etc</a:t>
+            </a:r>
+            <a:r>
+              <a:rPr lang="en-US" dirty="0"/>
+              <a:t>… (mem management)</a:t>
+            </a:r>
+          </a:p>
+          <a:p>
+            <a:pPr lvl="1"/>
+            <a:r>
+              <a:rPr lang="en-US" dirty="0"/>
+              <a:t>Allowing it to be dynamic size and/or type (a list). </a:t>
+            </a:r>
+          </a:p>
+          <a:p>
+            <a:r>
+              <a:rPr lang="en-US" dirty="0"/>
+              <a:t>We add an additional layer of abstraction, or remove some detail we need to manage ourselves at each level, making it easier to use. </a:t>
+            </a:r>
+          </a:p>
+          <a:p>
+            <a:pPr lvl="1"/>
+            <a:r>
+              <a:rPr lang="en-US" dirty="0"/>
+              <a:t>Easier is better in most cases. Making code readable and fixable is more important than fast. </a:t>
+            </a:r>
+          </a:p>
+          <a:p>
+            <a:pPr lvl="1"/>
+            <a:r>
+              <a:rPr lang="en-US" dirty="0"/>
+              <a:t>For places we need speed, we can sub in something more simple, like an array. </a:t>
+            </a:r>
+          </a:p>
+        </p:txBody>
+      </p:sp>
+    </p:spTree>
+    <p:extLst>
+      <p:ext uri="{BB962C8B-B14F-4D97-AF65-F5344CB8AC3E}">
+        <p14:creationId xmlns:p14="http://schemas.microsoft.com/office/powerpoint/2010/main" val="12238629"/>
+      </p:ext>
+    </p:extLst>
+  </p:cSld>
+  <p:clrMapOvr>
+    <a:masterClrMapping/>
+  </p:clrMapOvr>
+</p:sld>
+</file>
+
+<file path=ppt/slides/slide13.xml><?xml version="1.0" encoding="utf-8"?>
+<p:sld xmlns:a="http://schemas.openxmlformats.org/drawingml/2006/main" xmlns:r="http://schemas.openxmlformats.org/officeDocument/2006/relationships" xmlns:p="http://schemas.openxmlformats.org/presentationml/2006/main">
+  <p:cSld>
+    <p:spTree>
+      <p:nvGrpSpPr>
+        <p:cNvPr id="1" name=""/>
+        <p:cNvGrpSpPr/>
+        <p:nvPr/>
+      </p:nvGrpSpPr>
+      <p:grpSpPr>
+        <a:xfrm>
+          <a:off x="0" y="0"/>
+          <a:ext cx="0" cy="0"/>
+          <a:chOff x="0" y="0"/>
+          <a:chExt cx="0" cy="0"/>
+        </a:xfrm>
+      </p:grpSpPr>
+      <p:sp>
+        <p:nvSpPr>
+          <p:cNvPr id="2" name="Title 1">
+            <a:extLst>
+              <a:ext uri="{FF2B5EF4-FFF2-40B4-BE49-F238E27FC236}">
+                <a16:creationId xmlns:a16="http://schemas.microsoft.com/office/drawing/2014/main" id="{9C914D61-9EB5-3FFD-2F89-6E020E17F7FD}"/>
+              </a:ext>
+            </a:extLst>
+          </p:cNvPr>
+          <p:cNvSpPr>
+            <a:spLocks noGrp="1"/>
+          </p:cNvSpPr>
+          <p:nvPr>
+            <p:ph type="title"/>
+          </p:nvPr>
+        </p:nvSpPr>
+        <p:spPr/>
+        <p:txBody>
+          <a:bodyPr/>
+          <a:lstStyle/>
+          <a:p>
+            <a:r>
+              <a:rPr lang="en-US" dirty="0"/>
+              <a:t>Python Arrays</a:t>
+            </a:r>
+          </a:p>
+        </p:txBody>
+      </p:sp>
+      <p:sp>
+        <p:nvSpPr>
+          <p:cNvPr id="3" name="Content Placeholder 2">
+            <a:extLst>
+              <a:ext uri="{FF2B5EF4-FFF2-40B4-BE49-F238E27FC236}">
+                <a16:creationId xmlns:a16="http://schemas.microsoft.com/office/drawing/2014/main" id="{B7829259-C79A-D0BA-290E-2EE0248099FC}"/>
+              </a:ext>
+            </a:extLst>
+          </p:cNvPr>
+          <p:cNvSpPr>
+            <a:spLocks noGrp="1"/>
+          </p:cNvSpPr>
+          <p:nvPr>
+            <p:ph idx="1"/>
+          </p:nvPr>
+        </p:nvSpPr>
+        <p:spPr>
+          <a:xfrm>
+            <a:off x="1451579" y="1853754"/>
+            <a:ext cx="9603275" cy="4199727"/>
+          </a:xfrm>
+        </p:spPr>
+        <p:txBody>
+          <a:bodyPr>
+            <a:normAutofit/>
+          </a:bodyPr>
+          <a:lstStyle/>
+          <a:p>
+            <a:r>
+              <a:rPr lang="en-US" dirty="0"/>
+              <a:t>The arrays that we use are provided by a package called </a:t>
+            </a:r>
+            <a:r>
+              <a:rPr lang="en-US" dirty="0" err="1"/>
+              <a:t>numpy</a:t>
+            </a:r>
+            <a:r>
+              <a:rPr lang="en-US" dirty="0"/>
+              <a:t>. </a:t>
+            </a:r>
+          </a:p>
+          <a:p>
+            <a:pPr lvl="1"/>
+            <a:r>
+              <a:rPr lang="en-US" dirty="0"/>
+              <a:t>Commonly imported with a “np” alias. </a:t>
+            </a:r>
+          </a:p>
+          <a:p>
+            <a:pPr lvl="1"/>
+            <a:r>
+              <a:rPr lang="en-US" dirty="0" err="1"/>
+              <a:t>Numpy</a:t>
+            </a:r>
+            <a:r>
+              <a:rPr lang="en-US" dirty="0"/>
+              <a:t> is a scientific computing package.</a:t>
+            </a:r>
+          </a:p>
+          <a:p>
+            <a:r>
+              <a:rPr lang="en-US" dirty="0"/>
+              <a:t>Commonly used and often required for machine learning work. </a:t>
+            </a:r>
+          </a:p>
+          <a:p>
+            <a:pPr lvl="1"/>
+            <a:r>
+              <a:rPr lang="en-US" dirty="0"/>
+              <a:t>Data fed into a model is often an array, even if we prepare it before making it an array. </a:t>
+            </a:r>
+          </a:p>
+          <a:p>
+            <a:pPr lvl="1"/>
+            <a:r>
+              <a:rPr lang="en-US" dirty="0"/>
+              <a:t>When doing lots of calculations inside a model, the speed matters. </a:t>
+            </a:r>
+          </a:p>
+          <a:p>
+            <a:pPr lvl="1"/>
+            <a:r>
+              <a:rPr lang="en-US" dirty="0"/>
+              <a:t>We want to get the benefits of the array (speed). </a:t>
+            </a:r>
+          </a:p>
+          <a:p>
+            <a:pPr lvl="1"/>
+            <a:r>
+              <a:rPr lang="en-US" dirty="0"/>
+              <a:t>The limitations of an array are between positive and neutral – fixed type and length. </a:t>
+            </a:r>
+          </a:p>
+          <a:p>
+            <a:r>
+              <a:rPr lang="en-US" dirty="0"/>
+              <a:t>Arrays are normally created from other data (for us at least), or empty/default in the size of some other dataset (e.g. neural networks). </a:t>
+            </a:r>
+          </a:p>
+          <a:p>
+            <a:endParaRPr lang="en-US" dirty="0"/>
+          </a:p>
+        </p:txBody>
+      </p:sp>
+      <p:pic>
+        <p:nvPicPr>
+          <p:cNvPr id="3074" name="Picture 2" descr="Implementation of neural network from scratch using NumPy - GeeksforGeeks">
+            <a:extLst>
+              <a:ext uri="{FF2B5EF4-FFF2-40B4-BE49-F238E27FC236}">
+                <a16:creationId xmlns:a16="http://schemas.microsoft.com/office/drawing/2014/main" id="{798AF6E1-C85A-158E-7FAD-25A21D0CD6BE}"/>
+              </a:ext>
+            </a:extLst>
+          </p:cNvPr>
+          <p:cNvPicPr>
+            <a:picLocks noChangeAspect="1" noChangeArrowheads="1"/>
+          </p:cNvPicPr>
+          <p:nvPr/>
+        </p:nvPicPr>
+        <p:blipFill>
+          <a:blip r:embed="rId2">
+            <a:extLst>
+              <a:ext uri="{28A0092B-C50C-407E-A947-70E740481C1C}">
+                <a14:useLocalDpi xmlns:a14="http://schemas.microsoft.com/office/drawing/2010/main" val="0"/>
+              </a:ext>
+            </a:extLst>
+          </a:blip>
+          <a:srcRect/>
+          <a:stretch>
+            <a:fillRect/>
+          </a:stretch>
+        </p:blipFill>
+        <p:spPr bwMode="auto">
+          <a:xfrm>
+            <a:off x="8430118" y="-36864"/>
+            <a:ext cx="3761882" cy="2507921"/>
+          </a:xfrm>
+          <a:prstGeom prst="rect">
+            <a:avLst/>
+          </a:prstGeom>
+          <a:noFill/>
+          <a:extLst>
+            <a:ext uri="{909E8E84-426E-40DD-AFC4-6F175D3DCCD1}">
+              <a14:hiddenFill xmlns:a14="http://schemas.microsoft.com/office/drawing/2010/main">
+                <a:solidFill>
+                  <a:srgbClr val="FFFFFF"/>
+                </a:solidFill>
+              </a14:hiddenFill>
+            </a:ext>
+          </a:extLst>
+        </p:spPr>
+      </p:pic>
+    </p:spTree>
+    <p:extLst>
+      <p:ext uri="{BB962C8B-B14F-4D97-AF65-F5344CB8AC3E}">
+        <p14:creationId xmlns:p14="http://schemas.microsoft.com/office/powerpoint/2010/main" val="3600369454"/>
+      </p:ext>
+    </p:extLst>
+  </p:cSld>
+  <p:clrMapOvr>
+    <a:masterClrMapping/>
+  </p:clrMapOvr>
+</p:sld>
+</file>
+
+<file path=ppt/slides/slide14.xml><?xml version="1.0" encoding="utf-8"?>
+<p:sld xmlns:a="http://schemas.openxmlformats.org/drawingml/2006/main" xmlns:r="http://schemas.openxmlformats.org/officeDocument/2006/relationships" xmlns:p="http://schemas.openxmlformats.org/presentationml/2006/main" show="0">
+  <p:cSld>
+    <p:spTree>
+      <p:nvGrpSpPr>
+        <p:cNvPr id="1" name=""/>
+        <p:cNvGrpSpPr/>
+        <p:nvPr/>
+      </p:nvGrpSpPr>
+      <p:grpSpPr>
+        <a:xfrm>
+          <a:off x="0" y="0"/>
+          <a:ext cx="0" cy="0"/>
+          <a:chOff x="0" y="0"/>
+          <a:chExt cx="0" cy="0"/>
+        </a:xfrm>
+      </p:grpSpPr>
+      <p:sp>
+        <p:nvSpPr>
+          <p:cNvPr id="2" name="Title 1">
+            <a:extLst>
+              <a:ext uri="{FF2B5EF4-FFF2-40B4-BE49-F238E27FC236}">
+                <a16:creationId xmlns:a16="http://schemas.microsoft.com/office/drawing/2014/main" id="{7E41A04B-DBE6-EB2D-A8CB-12672A4C2F88}"/>
+              </a:ext>
+            </a:extLst>
+          </p:cNvPr>
+          <p:cNvSpPr>
+            <a:spLocks noGrp="1"/>
+          </p:cNvSpPr>
+          <p:nvPr>
+            <p:ph type="title"/>
+          </p:nvPr>
+        </p:nvSpPr>
+        <p:spPr/>
+        <p:txBody>
+          <a:bodyPr/>
+          <a:lstStyle/>
+          <a:p>
+            <a:endParaRPr lang="en-US"/>
+          </a:p>
+        </p:txBody>
+      </p:sp>
+      <p:sp>
+        <p:nvSpPr>
+          <p:cNvPr id="3" name="Content Placeholder 2">
+            <a:extLst>
+              <a:ext uri="{FF2B5EF4-FFF2-40B4-BE49-F238E27FC236}">
+                <a16:creationId xmlns:a16="http://schemas.microsoft.com/office/drawing/2014/main" id="{95907C5A-AA35-0BBA-1EE1-300FCD8D6171}"/>
+              </a:ext>
+            </a:extLst>
+          </p:cNvPr>
+          <p:cNvSpPr>
+            <a:spLocks noGrp="1"/>
+          </p:cNvSpPr>
+          <p:nvPr>
+            <p:ph idx="1"/>
+          </p:nvPr>
+        </p:nvSpPr>
+        <p:spPr/>
+        <p:txBody>
+          <a:bodyPr/>
+          <a:lstStyle/>
+          <a:p>
+            <a:endParaRPr lang="en-US"/>
+          </a:p>
+        </p:txBody>
+      </p:sp>
+    </p:spTree>
+    <p:extLst>
+      <p:ext uri="{BB962C8B-B14F-4D97-AF65-F5344CB8AC3E}">
+        <p14:creationId xmlns:p14="http://schemas.microsoft.com/office/powerpoint/2010/main" val="2762441055"/>
+      </p:ext>
+    </p:extLst>
+  </p:cSld>
+  <p:clrMapOvr>
+    <a:masterClrMapping/>
+  </p:clrMapOvr>
+</p:sld>
+</file>
+
+<file path=ppt/slides/slide15.xml><?xml version="1.0" encoding="utf-8"?>
+<p:sld xmlns:a="http://schemas.openxmlformats.org/drawingml/2006/main" xmlns:r="http://schemas.openxmlformats.org/officeDocument/2006/relationships" xmlns:p="http://schemas.openxmlformats.org/presentationml/2006/main">
+  <p:cSld>
+    <p:bg>
+      <p:bgPr>
+        <a:gradFill rotWithShape="1">
+          <a:gsLst>
+            <a:gs pos="0">
+              <a:schemeClr val="bg2">
+                <a:tint val="94000"/>
+                <a:satMod val="80000"/>
+                <a:lumMod val="106000"/>
+              </a:schemeClr>
+            </a:gs>
+            <a:gs pos="100000">
+              <a:schemeClr val="bg2">
+                <a:shade val="80000"/>
+              </a:schemeClr>
+            </a:gs>
+          </a:gsLst>
+          <a:path path="circle">
+            <a:fillToRect l="43000" r="43000" b="100000"/>
+          </a:path>
+        </a:gradFill>
+        <a:effectLst/>
+      </p:bgPr>
+    </p:bg>
+    <p:spTree>
+      <p:nvGrpSpPr>
+        <p:cNvPr id="1" name=""/>
+        <p:cNvGrpSpPr/>
+        <p:nvPr/>
+      </p:nvGrpSpPr>
+      <p:grpSpPr>
+        <a:xfrm>
+          <a:off x="0" y="0"/>
+          <a:ext cx="0" cy="0"/>
+          <a:chOff x="0" y="0"/>
+          <a:chExt cx="0" cy="0"/>
+        </a:xfrm>
+      </p:grpSpPr>
+      <p:sp>
+        <p:nvSpPr>
           <p:cNvPr id="9" name="Rectangle 8">
             <a:extLst>
               <a:ext uri="{FF2B5EF4-FFF2-40B4-BE49-F238E27FC236}">
@@ -4080,6 +4674,13 @@
             <a:schemeClr val="lt1"/>
           </a:fontRef>
         </p:style>
+        <p:txBody>
+          <a:bodyPr/>
+          <a:lstStyle/>
+          <a:p>
+            <a:endParaRPr lang="en-US"/>
+          </a:p>
+        </p:txBody>
       </p:sp>
       <p:pic>
         <p:nvPicPr>
@@ -4349,7 +4950,177 @@
 </p:sld>
 </file>
 
-<file path=ppt/slides/slide12.xml><?xml version="1.0" encoding="utf-8"?>
+<file path=ppt/slides/slide16.xml><?xml version="1.0" encoding="utf-8"?>
+<p:sld xmlns:a="http://schemas.openxmlformats.org/drawingml/2006/main" xmlns:r="http://schemas.openxmlformats.org/officeDocument/2006/relationships" xmlns:p="http://schemas.openxmlformats.org/presentationml/2006/main">
+  <p:cSld>
+    <p:spTree>
+      <p:nvGrpSpPr>
+        <p:cNvPr id="1" name=""/>
+        <p:cNvGrpSpPr/>
+        <p:nvPr/>
+      </p:nvGrpSpPr>
+      <p:grpSpPr>
+        <a:xfrm>
+          <a:off x="0" y="0"/>
+          <a:ext cx="0" cy="0"/>
+          <a:chOff x="0" y="0"/>
+          <a:chExt cx="0" cy="0"/>
+        </a:xfrm>
+      </p:grpSpPr>
+      <p:sp>
+        <p:nvSpPr>
+          <p:cNvPr id="2" name="Title 1">
+            <a:extLst>
+              <a:ext uri="{FF2B5EF4-FFF2-40B4-BE49-F238E27FC236}">
+                <a16:creationId xmlns:a16="http://schemas.microsoft.com/office/drawing/2014/main" id="{6617A53D-FF91-A47C-DBEF-764CBD2ABF30}"/>
+              </a:ext>
+            </a:extLst>
+          </p:cNvPr>
+          <p:cNvSpPr>
+            <a:spLocks noGrp="1"/>
+          </p:cNvSpPr>
+          <p:nvPr>
+            <p:ph type="title"/>
+          </p:nvPr>
+        </p:nvSpPr>
+        <p:spPr/>
+        <p:txBody>
+          <a:bodyPr/>
+          <a:lstStyle/>
+          <a:p>
+            <a:r>
+              <a:rPr lang="en-US" dirty="0"/>
+              <a:t>Context - List Implementation</a:t>
+            </a:r>
+          </a:p>
+        </p:txBody>
+      </p:sp>
+      <p:sp>
+        <p:nvSpPr>
+          <p:cNvPr id="3" name="Content Placeholder 2">
+            <a:extLst>
+              <a:ext uri="{FF2B5EF4-FFF2-40B4-BE49-F238E27FC236}">
+                <a16:creationId xmlns:a16="http://schemas.microsoft.com/office/drawing/2014/main" id="{066CF4C5-716F-B2B3-8BEB-13E7CE7FF10C}"/>
+              </a:ext>
+            </a:extLst>
+          </p:cNvPr>
+          <p:cNvSpPr>
+            <a:spLocks noGrp="1"/>
+          </p:cNvSpPr>
+          <p:nvPr>
+            <p:ph idx="1"/>
+          </p:nvPr>
+        </p:nvSpPr>
+        <p:spPr>
+          <a:xfrm>
+            <a:off x="1" y="1853754"/>
+            <a:ext cx="6095999" cy="4199727"/>
+          </a:xfrm>
+        </p:spPr>
+        <p:txBody>
+          <a:bodyPr>
+            <a:normAutofit/>
+          </a:bodyPr>
+          <a:lstStyle/>
+          <a:p>
+            <a:r>
+              <a:rPr lang="en-US" dirty="0"/>
+              <a:t>This is the main part of lists class in python, though written in C. </a:t>
+            </a:r>
+          </a:p>
+          <a:p>
+            <a:pPr lvl="1"/>
+            <a:r>
+              <a:rPr lang="en-US" dirty="0"/>
+              <a:t>Stuff is implemented in C because it is fast. </a:t>
+            </a:r>
+          </a:p>
+          <a:p>
+            <a:pPr lvl="1"/>
+            <a:r>
+              <a:rPr lang="en-US" dirty="0"/>
+              <a:t>Built-in python stuff is usually faster because of this.</a:t>
+            </a:r>
+          </a:p>
+          <a:p>
+            <a:pPr lvl="1"/>
+            <a:r>
+              <a:rPr lang="en-US" dirty="0"/>
+              <a:t>There is an API provided, that we call. </a:t>
+            </a:r>
+          </a:p>
+          <a:p>
+            <a:r>
+              <a:rPr lang="en-US" dirty="0"/>
+              <a:t>The list is just a bunch of locations in memory. </a:t>
+            </a:r>
+          </a:p>
+          <a:p>
+            <a:pPr lvl="1"/>
+            <a:r>
+              <a:rPr lang="en-US" dirty="0"/>
+              <a:t>The location can be anywhere, hence expansion. </a:t>
+            </a:r>
+          </a:p>
+          <a:p>
+            <a:pPr lvl="1"/>
+            <a:r>
+              <a:rPr lang="en-US" dirty="0"/>
+              <a:t>E.g. a list of this class would be a list of your street addresses, so we could go grab you on demand. </a:t>
+            </a:r>
+          </a:p>
+          <a:p>
+            <a:r>
+              <a:rPr lang="en-US" dirty="0"/>
+              <a:t>This is slower than an array, it is more work to access.</a:t>
+            </a:r>
+          </a:p>
+        </p:txBody>
+      </p:sp>
+      <p:pic>
+        <p:nvPicPr>
+          <p:cNvPr id="4" name="Picture 3">
+            <a:extLst>
+              <a:ext uri="{FF2B5EF4-FFF2-40B4-BE49-F238E27FC236}">
+                <a16:creationId xmlns:a16="http://schemas.microsoft.com/office/drawing/2014/main" id="{4DE31DCE-66BF-D99E-25FD-720C8EF14214}"/>
+              </a:ext>
+            </a:extLst>
+          </p:cNvPr>
+          <p:cNvPicPr>
+            <a:picLocks noChangeAspect="1"/>
+          </p:cNvPicPr>
+          <p:nvPr/>
+        </p:nvPicPr>
+        <p:blipFill>
+          <a:blip r:embed="rId2"/>
+          <a:stretch>
+            <a:fillRect/>
+          </a:stretch>
+        </p:blipFill>
+        <p:spPr>
+          <a:xfrm>
+            <a:off x="5798916" y="2375541"/>
+            <a:ext cx="6393084" cy="3090804"/>
+          </a:xfrm>
+          <a:prstGeom prst="rect">
+            <a:avLst/>
+          </a:prstGeom>
+        </p:spPr>
+      </p:pic>
+    </p:spTree>
+    <p:extLst>
+      <p:ext uri="{BB962C8B-B14F-4D97-AF65-F5344CB8AC3E}">
+        <p14:creationId xmlns:p14="http://schemas.microsoft.com/office/powerpoint/2010/main" val="603554178"/>
+      </p:ext>
+    </p:extLst>
+  </p:cSld>
+  <p:clrMapOvr>
+    <a:masterClrMapping/>
+  </p:clrMapOvr>
+</p:sld>
+</file>
+
+<file path=ppt/slides/slide17.xml><?xml version="1.0" encoding="utf-8"?>
 <p:sld xmlns:a="http://schemas.openxmlformats.org/drawingml/2006/main" xmlns:r="http://schemas.openxmlformats.org/officeDocument/2006/relationships" xmlns:p="http://schemas.openxmlformats.org/presentationml/2006/main">
   <p:cSld>
     <p:spTree>
@@ -4476,7 +5247,7 @@
 </p:sld>
 </file>
 
-<file path=ppt/slides/slide13.xml><?xml version="1.0" encoding="utf-8"?>
+<file path=ppt/slides/slide18.xml><?xml version="1.0" encoding="utf-8"?>
 <p:sld xmlns:a="http://schemas.openxmlformats.org/drawingml/2006/main" xmlns:r="http://schemas.openxmlformats.org/officeDocument/2006/relationships" xmlns:p="http://schemas.openxmlformats.org/presentationml/2006/main">
   <p:cSld>
     <p:spTree>
@@ -4603,7 +5374,7 @@
 </p:sld>
 </file>
 
-<file path=ppt/slides/slide14.xml><?xml version="1.0" encoding="utf-8"?>
+<file path=ppt/slides/slide19.xml><?xml version="1.0" encoding="utf-8"?>
 <p:sld xmlns:a="http://schemas.openxmlformats.org/drawingml/2006/main" xmlns:r="http://schemas.openxmlformats.org/officeDocument/2006/relationships" xmlns:p="http://schemas.openxmlformats.org/presentationml/2006/main">
   <p:cSld>
     <p:spTree>
@@ -4754,7 +5525,7 @@
 </p:sld>
 </file>
 
-<file path=ppt/slides/slide15.xml><?xml version="1.0" encoding="utf-8"?>
+<file path=ppt/slides/slide2.xml><?xml version="1.0" encoding="utf-8"?>
 <p:sld xmlns:a="http://schemas.openxmlformats.org/drawingml/2006/main" xmlns:r="http://schemas.openxmlformats.org/officeDocument/2006/relationships" xmlns:p="http://schemas.openxmlformats.org/presentationml/2006/main">
   <p:cSld>
     <p:spTree>
@@ -4776,6 +5547,89 @@
           <p:cNvPr id="2" name="Title 1">
             <a:extLst>
               <a:ext uri="{FF2B5EF4-FFF2-40B4-BE49-F238E27FC236}">
+                <a16:creationId xmlns:a16="http://schemas.microsoft.com/office/drawing/2014/main" id="{771434A5-CD98-CD4B-2EF2-4729CC4AAD4E}"/>
+              </a:ext>
+            </a:extLst>
+          </p:cNvPr>
+          <p:cNvSpPr>
+            <a:spLocks noGrp="1"/>
+          </p:cNvSpPr>
+          <p:nvPr>
+            <p:ph type="ctrTitle"/>
+          </p:nvPr>
+        </p:nvSpPr>
+        <p:spPr/>
+        <p:txBody>
+          <a:bodyPr/>
+          <a:lstStyle/>
+          <a:p>
+            <a:r>
+              <a:rPr lang="en-US" dirty="0"/>
+              <a:t>Arrays</a:t>
+            </a:r>
+          </a:p>
+        </p:txBody>
+      </p:sp>
+      <p:sp>
+        <p:nvSpPr>
+          <p:cNvPr id="3" name="Subtitle 2">
+            <a:extLst>
+              <a:ext uri="{FF2B5EF4-FFF2-40B4-BE49-F238E27FC236}">
+                <a16:creationId xmlns:a16="http://schemas.microsoft.com/office/drawing/2014/main" id="{1F98F0AA-B9BE-EB0E-05E0-79BFD585923D}"/>
+              </a:ext>
+            </a:extLst>
+          </p:cNvPr>
+          <p:cNvSpPr>
+            <a:spLocks noGrp="1"/>
+          </p:cNvSpPr>
+          <p:nvPr>
+            <p:ph type="subTitle" idx="1"/>
+          </p:nvPr>
+        </p:nvSpPr>
+        <p:spPr/>
+        <p:txBody>
+          <a:bodyPr/>
+          <a:lstStyle/>
+          <a:p>
+            <a:endParaRPr lang="en-US"/>
+          </a:p>
+        </p:txBody>
+      </p:sp>
+    </p:spTree>
+    <p:extLst>
+      <p:ext uri="{BB962C8B-B14F-4D97-AF65-F5344CB8AC3E}">
+        <p14:creationId xmlns:p14="http://schemas.microsoft.com/office/powerpoint/2010/main" val="1122977996"/>
+      </p:ext>
+    </p:extLst>
+  </p:cSld>
+  <p:clrMapOvr>
+    <a:masterClrMapping/>
+  </p:clrMapOvr>
+</p:sld>
+</file>
+
+<file path=ppt/slides/slide20.xml><?xml version="1.0" encoding="utf-8"?>
+<p:sld xmlns:a="http://schemas.openxmlformats.org/drawingml/2006/main" xmlns:r="http://schemas.openxmlformats.org/officeDocument/2006/relationships" xmlns:p="http://schemas.openxmlformats.org/presentationml/2006/main">
+  <p:cSld>
+    <p:spTree>
+      <p:nvGrpSpPr>
+        <p:cNvPr id="1" name=""/>
+        <p:cNvGrpSpPr/>
+        <p:nvPr/>
+      </p:nvGrpSpPr>
+      <p:grpSpPr>
+        <a:xfrm>
+          <a:off x="0" y="0"/>
+          <a:ext cx="0" cy="0"/>
+          <a:chOff x="0" y="0"/>
+          <a:chExt cx="0" cy="0"/>
+        </a:xfrm>
+      </p:grpSpPr>
+      <p:sp>
+        <p:nvSpPr>
+          <p:cNvPr id="2" name="Title 1">
+            <a:extLst>
+              <a:ext uri="{FF2B5EF4-FFF2-40B4-BE49-F238E27FC236}">
                 <a16:creationId xmlns:a16="http://schemas.microsoft.com/office/drawing/2014/main" id="{99307EB7-1567-5247-D320-73DBE729B295}"/>
               </a:ext>
             </a:extLst>
@@ -4822,7 +5676,9 @@
           </a:xfrm>
         </p:spPr>
         <p:txBody>
-          <a:bodyPr/>
+          <a:bodyPr>
+            <a:normAutofit lnSpcReduction="10000"/>
+          </a:bodyPr>
           <a:lstStyle/>
           <a:p>
             <a:r>
@@ -4834,6 +5690,12 @@
             <a:r>
               <a:rPr lang="en-US" dirty="0"/>
               <a:t>The reshaping always counts left to right, then down. </a:t>
+            </a:r>
+          </a:p>
+          <a:p>
+            <a:r>
+              <a:rPr lang="en-US" dirty="0"/>
+              <a:t>Reshaping is determinative, so as long as we do it right, things maintain order. </a:t>
             </a:r>
           </a:p>
         </p:txBody>
@@ -4896,7 +5758,7 @@
 </p:sld>
 </file>
 
-<file path=ppt/slides/slide16.xml><?xml version="1.0" encoding="utf-8"?>
+<file path=ppt/slides/slide21.xml><?xml version="1.0" encoding="utf-8"?>
 <p:sld xmlns:a="http://schemas.openxmlformats.org/drawingml/2006/main" xmlns:r="http://schemas.openxmlformats.org/officeDocument/2006/relationships" xmlns:p="http://schemas.openxmlformats.org/presentationml/2006/main">
   <p:cSld>
     <p:spTree>
@@ -5040,7 +5902,7 @@
 </p:sld>
 </file>
 
-<file path=ppt/slides/slide17.xml><?xml version="1.0" encoding="utf-8"?>
+<file path=ppt/slides/slide22.xml><?xml version="1.0" encoding="utf-8"?>
 <p:sld xmlns:a="http://schemas.openxmlformats.org/drawingml/2006/main" xmlns:r="http://schemas.openxmlformats.org/officeDocument/2006/relationships" xmlns:p="http://schemas.openxmlformats.org/presentationml/2006/main">
   <p:cSld>
     <p:spTree>
@@ -5183,89 +6045,6 @@
     <p:extLst>
       <p:ext uri="{BB962C8B-B14F-4D97-AF65-F5344CB8AC3E}">
         <p14:creationId xmlns:p14="http://schemas.microsoft.com/office/powerpoint/2010/main" val="3505220901"/>
-      </p:ext>
-    </p:extLst>
-  </p:cSld>
-  <p:clrMapOvr>
-    <a:masterClrMapping/>
-  </p:clrMapOvr>
-</p:sld>
-</file>
-
-<file path=ppt/slides/slide2.xml><?xml version="1.0" encoding="utf-8"?>
-<p:sld xmlns:a="http://schemas.openxmlformats.org/drawingml/2006/main" xmlns:r="http://schemas.openxmlformats.org/officeDocument/2006/relationships" xmlns:p="http://schemas.openxmlformats.org/presentationml/2006/main">
-  <p:cSld>
-    <p:spTree>
-      <p:nvGrpSpPr>
-        <p:cNvPr id="1" name=""/>
-        <p:cNvGrpSpPr/>
-        <p:nvPr/>
-      </p:nvGrpSpPr>
-      <p:grpSpPr>
-        <a:xfrm>
-          <a:off x="0" y="0"/>
-          <a:ext cx="0" cy="0"/>
-          <a:chOff x="0" y="0"/>
-          <a:chExt cx="0" cy="0"/>
-        </a:xfrm>
-      </p:grpSpPr>
-      <p:sp>
-        <p:nvSpPr>
-          <p:cNvPr id="2" name="Title 1">
-            <a:extLst>
-              <a:ext uri="{FF2B5EF4-FFF2-40B4-BE49-F238E27FC236}">
-                <a16:creationId xmlns:a16="http://schemas.microsoft.com/office/drawing/2014/main" id="{771434A5-CD98-CD4B-2EF2-4729CC4AAD4E}"/>
-              </a:ext>
-            </a:extLst>
-          </p:cNvPr>
-          <p:cNvSpPr>
-            <a:spLocks noGrp="1"/>
-          </p:cNvSpPr>
-          <p:nvPr>
-            <p:ph type="ctrTitle"/>
-          </p:nvPr>
-        </p:nvSpPr>
-        <p:spPr/>
-        <p:txBody>
-          <a:bodyPr/>
-          <a:lstStyle/>
-          <a:p>
-            <a:r>
-              <a:rPr lang="en-US" dirty="0"/>
-              <a:t>Arrays</a:t>
-            </a:r>
-          </a:p>
-        </p:txBody>
-      </p:sp>
-      <p:sp>
-        <p:nvSpPr>
-          <p:cNvPr id="3" name="Subtitle 2">
-            <a:extLst>
-              <a:ext uri="{FF2B5EF4-FFF2-40B4-BE49-F238E27FC236}">
-                <a16:creationId xmlns:a16="http://schemas.microsoft.com/office/drawing/2014/main" id="{1F98F0AA-B9BE-EB0E-05E0-79BFD585923D}"/>
-              </a:ext>
-            </a:extLst>
-          </p:cNvPr>
-          <p:cNvSpPr>
-            <a:spLocks noGrp="1"/>
-          </p:cNvSpPr>
-          <p:nvPr>
-            <p:ph type="subTitle" idx="1"/>
-          </p:nvPr>
-        </p:nvSpPr>
-        <p:spPr/>
-        <p:txBody>
-          <a:bodyPr/>
-          <a:lstStyle/>
-          <a:p>
-            <a:endParaRPr lang="en-US"/>
-          </a:p>
-        </p:txBody>
-      </p:sp>
-    </p:spTree>
-    <p:extLst>
-      <p:ext uri="{BB962C8B-B14F-4D97-AF65-F5344CB8AC3E}">
-        <p14:creationId xmlns:p14="http://schemas.microsoft.com/office/powerpoint/2010/main" val="1122977996"/>
       </p:ext>
     </p:extLst>
   </p:cSld>
@@ -6098,12 +6877,14 @@
         </p:nvSpPr>
         <p:spPr>
           <a:xfrm>
-            <a:off x="1451579" y="1948070"/>
-            <a:ext cx="9603275" cy="4035287"/>
-          </a:xfrm>
-        </p:spPr>
-        <p:txBody>
-          <a:bodyPr/>
+            <a:off x="1451579" y="1853754"/>
+            <a:ext cx="9603275" cy="4265035"/>
+          </a:xfrm>
+        </p:spPr>
+        <p:txBody>
+          <a:bodyPr>
+            <a:normAutofit/>
+          </a:bodyPr>
           <a:lstStyle/>
           <a:p>
             <a:r>
@@ -6138,6 +6919,13 @@
             </a:r>
           </a:p>
           <a:p>
+            <a:pPr lvl="1"/>
+            <a:r>
+              <a:rPr lang="en-US" dirty="0"/>
+              <a:t>Things run in a generated environment that is a virtual machine on the computer. </a:t>
+            </a:r>
+          </a:p>
+          <a:p>
             <a:r>
               <a:rPr lang="en-US" dirty="0"/>
               <a:t>Compiled languages like C++. </a:t>
@@ -6155,6 +6943,21 @@
             <a:r>
               <a:rPr lang="en-US" dirty="0"/>
               <a:t>Helps efficiency – compliers can find many ways to improve performance. </a:t>
+            </a:r>
+          </a:p>
+          <a:p>
+            <a:pPr lvl="1"/>
+            <a:r>
+              <a:rPr lang="en-US" dirty="0"/>
+              <a:t>Compiling can/does make executables – exe </a:t>
+            </a:r>
+            <a:r>
+              <a:rPr lang="en-US" dirty="0" err="1"/>
+              <a:t>etc</a:t>
+            </a:r>
+            <a:r>
+              <a:rPr lang="en-US" dirty="0"/>
+              <a:t> type files. </a:t>
             </a:r>
           </a:p>
         </p:txBody>
@@ -6175,6 +6978,30 @@
 <file path=ppt/slides/slide9.xml><?xml version="1.0" encoding="utf-8"?>
 <p:sld xmlns:a="http://schemas.openxmlformats.org/drawingml/2006/main" xmlns:r="http://schemas.openxmlformats.org/officeDocument/2006/relationships" xmlns:p="http://schemas.openxmlformats.org/presentationml/2006/main">
   <p:cSld>
+    <p:bg>
+      <p:bgPr>
+        <a:gradFill rotWithShape="1">
+          <a:gsLst>
+            <a:gs pos="0">
+              <a:schemeClr val="bg2">
+                <a:tint val="94000"/>
+                <a:satMod val="80000"/>
+                <a:lumMod val="106000"/>
+              </a:schemeClr>
+            </a:gs>
+            <a:gs pos="100000">
+              <a:schemeClr val="bg2">
+                <a:shade val="80000"/>
+              </a:schemeClr>
+            </a:gs>
+          </a:gsLst>
+          <a:path path="circle">
+            <a:fillToRect l="43000" r="43000" b="100000"/>
+          </a:path>
+        </a:gradFill>
+        <a:effectLst/>
+      </p:bgPr>
+    </p:bg>
     <p:spTree>
       <p:nvGrpSpPr>
         <p:cNvPr id="1" name=""/>
@@ -6194,7 +7021,7 @@
           <p:cNvPr id="2" name="Title 1">
             <a:extLst>
               <a:ext uri="{FF2B5EF4-FFF2-40B4-BE49-F238E27FC236}">
-                <a16:creationId xmlns:a16="http://schemas.microsoft.com/office/drawing/2014/main" id="{445FB6D0-A728-2299-B67C-2D635938B085}"/>
+                <a16:creationId xmlns:a16="http://schemas.microsoft.com/office/drawing/2014/main" id="{EB43CC51-1F8C-1791-89C6-D78422E9C74C}"/>
               </a:ext>
             </a:extLst>
           </p:cNvPr>
@@ -6205,24 +7032,77 @@
             <p:ph type="title"/>
           </p:nvPr>
         </p:nvSpPr>
-        <p:spPr/>
-        <p:txBody>
-          <a:bodyPr/>
-          <a:lstStyle/>
-          <a:p>
-            <a:r>
-              <a:rPr lang="en-US" dirty="0"/>
-              <a:t>Building the Array</a:t>
-            </a:r>
-          </a:p>
-        </p:txBody>
-      </p:sp>
+        <p:spPr>
+          <a:xfrm>
+            <a:off x="1451579" y="804519"/>
+            <a:ext cx="9603275" cy="1049235"/>
+          </a:xfrm>
+        </p:spPr>
+        <p:txBody>
+          <a:bodyPr>
+            <a:normAutofit/>
+          </a:bodyPr>
+          <a:lstStyle/>
+          <a:p>
+            <a:r>
+              <a:rPr lang="en-US" dirty="0"/>
+              <a:t>Compiled vs. Interpreted</a:t>
+            </a:r>
+          </a:p>
+        </p:txBody>
+      </p:sp>
+      <p:pic>
+        <p:nvPicPr>
+          <p:cNvPr id="1026" name="Picture 2" descr="Blurred Lines: Is Ruby an interpreted language and what does that even  mean? | by Manuel Grullon | Medium">
+            <a:extLst>
+              <a:ext uri="{FF2B5EF4-FFF2-40B4-BE49-F238E27FC236}">
+                <a16:creationId xmlns:a16="http://schemas.microsoft.com/office/drawing/2014/main" id="{C9B88B3D-E024-568D-A496-85C1D6A3F14E}"/>
+              </a:ext>
+            </a:extLst>
+          </p:cNvPr>
+          <p:cNvPicPr>
+            <a:picLocks noChangeAspect="1" noChangeArrowheads="1"/>
+          </p:cNvPicPr>
+          <p:nvPr/>
+        </p:nvPicPr>
+        <p:blipFill>
+          <a:blip r:embed="rId2">
+            <a:extLst>
+              <a:ext uri="{28A0092B-C50C-407E-A947-70E740481C1C}">
+                <a14:useLocalDpi xmlns:a14="http://schemas.microsoft.com/office/drawing/2010/main" val="0"/>
+              </a:ext>
+            </a:extLst>
+          </a:blip>
+          <a:stretch>
+            <a:fillRect/>
+          </a:stretch>
+        </p:blipFill>
+        <p:spPr bwMode="auto">
+          <a:xfrm>
+            <a:off x="0" y="2247544"/>
+            <a:ext cx="6622991" cy="4553305"/>
+          </a:xfrm>
+          <a:prstGeom prst="rect">
+            <a:avLst/>
+          </a:prstGeom>
+          <a:noFill/>
+          <a:extLst>
+            <a:ext uri="{909E8E84-426E-40DD-AFC4-6F175D3DCCD1}">
+              <a14:hiddenFill xmlns:a14="http://schemas.microsoft.com/office/drawing/2010/main">
+                <a:solidFill>
+                  <a:srgbClr val="FFFFFF"/>
+                </a:solidFill>
+              </a14:hiddenFill>
+            </a:ext>
+          </a:extLst>
+        </p:spPr>
+      </p:pic>
       <p:sp>
         <p:nvSpPr>
           <p:cNvPr id="3" name="Content Placeholder 2">
             <a:extLst>
               <a:ext uri="{FF2B5EF4-FFF2-40B4-BE49-F238E27FC236}">
-                <a16:creationId xmlns:a16="http://schemas.microsoft.com/office/drawing/2014/main" id="{97230C1F-F1F4-08DF-A236-338E90953A29}"/>
+                <a16:creationId xmlns:a16="http://schemas.microsoft.com/office/drawing/2014/main" id="{317961FB-5417-8681-0D0F-B5A35F3E7046}"/>
               </a:ext>
             </a:extLst>
           </p:cNvPr>
@@ -6235,73 +7115,97 @@
         </p:nvSpPr>
         <p:spPr>
           <a:xfrm>
-            <a:off x="1451579" y="1853754"/>
-            <a:ext cx="9603275" cy="4199727"/>
-          </a:xfrm>
-        </p:spPr>
-        <p:txBody>
-          <a:bodyPr/>
-          <a:lstStyle/>
-          <a:p>
-            <a:r>
-              <a:rPr lang="en-US" dirty="0"/>
-              <a:t>We can build the concept of the array up from this. </a:t>
-            </a:r>
-          </a:p>
-          <a:p>
-            <a:pPr lvl="1"/>
-            <a:r>
-              <a:rPr lang="en-US" dirty="0"/>
-              <a:t>Start with several memory addresses with our data. </a:t>
-            </a:r>
-          </a:p>
-          <a:p>
-            <a:pPr lvl="1"/>
-            <a:r>
-              <a:rPr lang="en-US" dirty="0"/>
-              <a:t>Add the ability to treat the data as one object, with indexing offsets. </a:t>
-            </a:r>
-          </a:p>
-          <a:p>
-            <a:pPr lvl="1"/>
-            <a:r>
-              <a:rPr lang="en-US" dirty="0"/>
-              <a:t>Add the ability for the array to manage it’s own “innards” – memory, length, </a:t>
+            <a:off x="6622991" y="1853754"/>
+            <a:ext cx="5569010" cy="4199727"/>
+          </a:xfrm>
+        </p:spPr>
+        <p:txBody>
+          <a:bodyPr>
+            <a:normAutofit/>
+          </a:bodyPr>
+          <a:lstStyle/>
+          <a:p>
+            <a:r>
+              <a:rPr lang="en-US" dirty="0"/>
+              <a:t>Compilers make code for a machine. </a:t>
+            </a:r>
+          </a:p>
+          <a:p>
+            <a:pPr lvl="1"/>
+            <a:r>
+              <a:rPr lang="en-US" dirty="0"/>
+              <a:t>Generally recompile for other use. </a:t>
+            </a:r>
+          </a:p>
+          <a:p>
+            <a:pPr lvl="1"/>
+            <a:r>
+              <a:rPr lang="en-US" dirty="0"/>
+              <a:t>Need to compile, then run - can be big!</a:t>
+            </a:r>
+          </a:p>
+          <a:p>
+            <a:r>
+              <a:rPr lang="en-US" dirty="0"/>
+              <a:t>Interpreted code has intermediate “environment”</a:t>
+            </a:r>
+          </a:p>
+          <a:p>
+            <a:pPr lvl="1"/>
+            <a:r>
+              <a:rPr lang="en-US" dirty="0"/>
+              <a:t>Code is portable – mac/pc/whatever. </a:t>
+            </a:r>
+          </a:p>
+          <a:p>
+            <a:pPr lvl="1"/>
+            <a:r>
+              <a:rPr lang="en-US" dirty="0"/>
+              <a:t>It is slower. </a:t>
+            </a:r>
+          </a:p>
+          <a:p>
+            <a:pPr lvl="1"/>
+            <a:r>
+              <a:rPr lang="en-US" dirty="0"/>
+              <a:t>Can make custom environments for each thing. </a:t>
+            </a:r>
+          </a:p>
+          <a:p>
+            <a:pPr lvl="2"/>
+            <a:r>
+              <a:rPr lang="en-US" dirty="0"/>
+              <a:t>The </a:t>
             </a:r>
             <a:r>
               <a:rPr lang="en-US" dirty="0" err="1"/>
-              <a:t>etc</a:t>
-            </a:r>
-            <a:r>
-              <a:rPr lang="en-US" dirty="0"/>
-              <a:t>…</a:t>
-            </a:r>
-          </a:p>
-          <a:p>
-            <a:pPr lvl="1"/>
-            <a:r>
-              <a:rPr lang="en-US" dirty="0"/>
-              <a:t>Allowing it to be dynamic (a list). </a:t>
-            </a:r>
-          </a:p>
-          <a:p>
-            <a:r>
-              <a:rPr lang="en-US" dirty="0"/>
-              <a:t>We add an additional layer of abstraction, or remove some detail we need to manage ourselves at each level, making it easier to use. </a:t>
-            </a:r>
-          </a:p>
-          <a:p>
-            <a:pPr lvl="1"/>
-            <a:r>
-              <a:rPr lang="en-US" dirty="0"/>
-              <a:t>Easier is better in most cases. Making code readable and fixable is more important than fast. </a:t>
-            </a:r>
-          </a:p>
-          <a:p>
-            <a:pPr lvl="1"/>
-            <a:r>
-              <a:rPr lang="en-US" dirty="0"/>
-              <a:t>For places we need speed, we can sub in something more simple, like an array. </a:t>
+              <a:t>envs</a:t>
+            </a:r>
+            <a:r>
+              <a:rPr lang="en-US" dirty="0"/>
+              <a:t> on your computer can be different. </a:t>
+            </a:r>
+          </a:p>
+          <a:p>
+            <a:pPr lvl="2"/>
+            <a:r>
+              <a:rPr lang="en-US" dirty="0"/>
+              <a:t>Software can ‘package’ its own env – </a:t>
+            </a:r>
+            <a:r>
+              <a:rPr lang="en-US" dirty="0" err="1"/>
+              <a:t>autotests</a:t>
+            </a:r>
+            <a:r>
+              <a:rPr lang="en-US" dirty="0"/>
+              <a:t>. </a:t>
+            </a:r>
+          </a:p>
+          <a:p>
+            <a:pPr lvl="1"/>
+            <a:r>
+              <a:rPr lang="en-US" dirty="0"/>
+              <a:t>Run and rerun on the fly, no compiling. </a:t>
             </a:r>
           </a:p>
         </p:txBody>
@@ -6309,7 +7213,7 @@
     </p:spTree>
     <p:extLst>
       <p:ext uri="{BB962C8B-B14F-4D97-AF65-F5344CB8AC3E}">
-        <p14:creationId xmlns:p14="http://schemas.microsoft.com/office/powerpoint/2010/main" val="12238629"/>
+        <p14:creationId xmlns:p14="http://schemas.microsoft.com/office/powerpoint/2010/main" val="1181638371"/>
       </p:ext>
     </p:extLst>
   </p:cSld>

--- a/reference_material/slides/013_arrays.pptx
+++ b/reference_material/slides/013_arrays.pptx
@@ -26,7 +26,8 @@
     <p:sldId id="267" r:id="rId20"/>
     <p:sldId id="270" r:id="rId21"/>
     <p:sldId id="269" r:id="rId22"/>
-    <p:sldId id="271" r:id="rId23"/>
+    <p:sldId id="278" r:id="rId23"/>
+    <p:sldId id="271" r:id="rId24"/>
   </p:sldIdLst>
   <p:sldSz cx="12192000" cy="6858000"/>
   <p:notesSz cx="6858000" cy="9144000"/>
@@ -155,6 +156,7 @@
             <p14:sldId id="267"/>
             <p14:sldId id="270"/>
             <p14:sldId id="269"/>
+            <p14:sldId id="278"/>
             <p14:sldId id="271"/>
           </p14:sldIdLst>
         </p14:section>
@@ -3727,7 +3729,7 @@
         <p:spPr>
           <a:xfrm>
             <a:off x="1451579" y="1853754"/>
-            <a:ext cx="9603275" cy="4199727"/>
+            <a:ext cx="9603275" cy="4271983"/>
           </a:xfrm>
         </p:spPr>
         <p:txBody>
@@ -3794,6 +3796,20 @@
             <a:r>
               <a:rPr lang="en-US" dirty="0"/>
               <a:t>Some theory of computing background knowledge. </a:t>
+            </a:r>
+          </a:p>
+          <a:p>
+            <a:r>
+              <a:rPr lang="en-US" dirty="0"/>
+              <a:t>Generally – we’ll spend a bit of time looking at objects/classes/</a:t>
+            </a:r>
+            <a:r>
+              <a:rPr lang="en-US" dirty="0" err="1"/>
+              <a:t>functs</a:t>
+            </a:r>
+            <a:r>
+              <a:rPr lang="en-US" dirty="0"/>
+              <a:t> in more depth. </a:t>
             </a:r>
           </a:p>
         </p:txBody>
@@ -3905,13 +3921,13 @@
         </p:nvSpPr>
         <p:spPr>
           <a:xfrm>
-            <a:off x="348343" y="2015734"/>
-            <a:ext cx="5746068" cy="4037747"/>
+            <a:off x="-1" y="1853754"/>
+            <a:ext cx="6695911" cy="4301719"/>
           </a:xfrm>
         </p:spPr>
         <p:txBody>
           <a:bodyPr>
-            <a:normAutofit/>
+            <a:normAutofit fontScale="92500"/>
           </a:bodyPr>
           <a:lstStyle/>
           <a:p>
@@ -3930,6 +3946,26 @@
             <a:r>
               <a:rPr lang="en-US" dirty="0"/>
               <a:t>Anything in the code or libraries “exists” in the world of the program. </a:t>
+            </a:r>
+          </a:p>
+          <a:p>
+            <a:pPr lvl="1"/>
+            <a:r>
+              <a:rPr lang="en-US" dirty="0"/>
+              <a:t>A separate version/selection of libraries can be included in each code package. </a:t>
+            </a:r>
+          </a:p>
+          <a:p>
+            <a:pPr lvl="1"/>
+            <a:r>
+              <a:rPr lang="en-US" dirty="0"/>
+              <a:t>This environment will be the same each time it is created, no matter the machine. </a:t>
+            </a:r>
+          </a:p>
+          <a:p>
+            <a:r>
+              <a:rPr lang="en-US" dirty="0"/>
+              <a:t>If we install python, any machine can “look the same” to code. </a:t>
             </a:r>
           </a:p>
         </p:txBody>
@@ -3962,8 +3998,8 @@
         </p:blipFill>
         <p:spPr bwMode="auto">
           <a:xfrm>
-            <a:off x="6094411" y="2119930"/>
-            <a:ext cx="6097589" cy="3429892"/>
+            <a:off x="6695911" y="2119930"/>
+            <a:ext cx="5496089" cy="3121143"/>
           </a:xfrm>
           <a:prstGeom prst="rect">
             <a:avLst/>
@@ -4057,8 +4093,8 @@
         </p:nvSpPr>
         <p:spPr>
           <a:xfrm>
-            <a:off x="1451579" y="1914258"/>
-            <a:ext cx="9603275" cy="4139223"/>
+            <a:off x="847493" y="1914258"/>
+            <a:ext cx="10474712" cy="4139223"/>
           </a:xfrm>
         </p:spPr>
         <p:txBody>
@@ -5821,12 +5857,14 @@
         </p:nvSpPr>
         <p:spPr>
           <a:xfrm>
-            <a:off x="1451579" y="1853755"/>
-            <a:ext cx="9603275" cy="1187896"/>
+            <a:off x="1451579" y="1853754"/>
+            <a:ext cx="9603275" cy="1642269"/>
           </a:xfrm>
         </p:spPr>
         <p:txBody>
-          <a:bodyPr/>
+          <a:bodyPr>
+            <a:normAutofit fontScale="92500" lnSpcReduction="10000"/>
+          </a:bodyPr>
           <a:lstStyle/>
           <a:p>
             <a:r>
@@ -5838,6 +5876,19 @@
             <a:r>
               <a:rPr lang="en-US" dirty="0"/>
               <a:t>The “::2” changes the stride, or gets every “X” item. </a:t>
+            </a:r>
+          </a:p>
+          <a:p>
+            <a:r>
+              <a:rPr lang="en-US" dirty="0"/>
+              <a:t>This can be pretty annoying and error prone, so if needed, we need to test well. </a:t>
+            </a:r>
+          </a:p>
+          <a:p>
+            <a:pPr lvl="1"/>
+            <a:r>
+              <a:rPr lang="en-US" dirty="0"/>
+              <a:t>This isn’t something that we need to do extensively, but it does come up. </a:t>
             </a:r>
           </a:p>
         </p:txBody>
@@ -5871,8 +5922,8 @@
         </p:blipFill>
         <p:spPr bwMode="auto">
           <a:xfrm>
-            <a:off x="0" y="3041650"/>
-            <a:ext cx="12192000" cy="3816350"/>
+            <a:off x="885521" y="3496024"/>
+            <a:ext cx="10740421" cy="3361976"/>
           </a:xfrm>
           <a:prstGeom prst="rect">
             <a:avLst/>
@@ -5903,6 +5954,133 @@
 </file>
 
 <file path=ppt/slides/slide22.xml><?xml version="1.0" encoding="utf-8"?>
+<p:sld xmlns:a="http://schemas.openxmlformats.org/drawingml/2006/main" xmlns:r="http://schemas.openxmlformats.org/officeDocument/2006/relationships" xmlns:p="http://schemas.openxmlformats.org/presentationml/2006/main">
+  <p:cSld>
+    <p:spTree>
+      <p:nvGrpSpPr>
+        <p:cNvPr id="1" name=""/>
+        <p:cNvGrpSpPr/>
+        <p:nvPr/>
+      </p:nvGrpSpPr>
+      <p:grpSpPr>
+        <a:xfrm>
+          <a:off x="0" y="0"/>
+          <a:ext cx="0" cy="0"/>
+          <a:chOff x="0" y="0"/>
+          <a:chExt cx="0" cy="0"/>
+        </a:xfrm>
+      </p:grpSpPr>
+      <p:sp>
+        <p:nvSpPr>
+          <p:cNvPr id="2" name="Title 1">
+            <a:extLst>
+              <a:ext uri="{FF2B5EF4-FFF2-40B4-BE49-F238E27FC236}">
+                <a16:creationId xmlns:a16="http://schemas.microsoft.com/office/drawing/2014/main" id="{8B348D91-46C0-9758-0D9F-54F470E65232}"/>
+              </a:ext>
+            </a:extLst>
+          </p:cNvPr>
+          <p:cNvSpPr>
+            <a:spLocks noGrp="1"/>
+          </p:cNvSpPr>
+          <p:nvPr>
+            <p:ph type="title"/>
+          </p:nvPr>
+        </p:nvSpPr>
+        <p:spPr/>
+        <p:txBody>
+          <a:bodyPr/>
+          <a:lstStyle/>
+          <a:p>
+            <a:endParaRPr lang="en-US"/>
+          </a:p>
+        </p:txBody>
+      </p:sp>
+      <p:sp>
+        <p:nvSpPr>
+          <p:cNvPr id="3" name="Content Placeholder 2">
+            <a:extLst>
+              <a:ext uri="{FF2B5EF4-FFF2-40B4-BE49-F238E27FC236}">
+                <a16:creationId xmlns:a16="http://schemas.microsoft.com/office/drawing/2014/main" id="{8A25702C-AB19-46E3-BBB4-9A90D9D6E58C}"/>
+              </a:ext>
+            </a:extLst>
+          </p:cNvPr>
+          <p:cNvSpPr>
+            <a:spLocks noGrp="1"/>
+          </p:cNvSpPr>
+          <p:nvPr>
+            <p:ph idx="1"/>
+          </p:nvPr>
+        </p:nvSpPr>
+        <p:spPr/>
+        <p:txBody>
+          <a:bodyPr/>
+          <a:lstStyle/>
+          <a:p>
+            <a:endParaRPr lang="en-US"/>
+          </a:p>
+        </p:txBody>
+      </p:sp>
+      <p:pic>
+        <p:nvPicPr>
+          <p:cNvPr id="4098" name="Picture 2" descr="The Backend Story of Lists in Python | by Manvendra Bhadauria | CodeX |  Medium">
+            <a:extLst>
+              <a:ext uri="{FF2B5EF4-FFF2-40B4-BE49-F238E27FC236}">
+                <a16:creationId xmlns:a16="http://schemas.microsoft.com/office/drawing/2014/main" id="{DB789BCF-8540-5ED7-0F49-E4A6FC103795}"/>
+              </a:ext>
+            </a:extLst>
+          </p:cNvPr>
+          <p:cNvPicPr>
+            <a:picLocks noChangeAspect="1" noChangeArrowheads="1"/>
+          </p:cNvPicPr>
+          <p:nvPr/>
+        </p:nvPicPr>
+        <p:blipFill>
+          <a:blip r:embed="rId2">
+            <a:extLst>
+              <a:ext uri="{28A0092B-C50C-407E-A947-70E740481C1C}">
+                <a14:useLocalDpi xmlns:a14="http://schemas.microsoft.com/office/drawing/2010/main" val="0"/>
+              </a:ext>
+            </a:extLst>
+          </a:blip>
+          <a:srcRect/>
+          <a:stretch>
+            <a:fillRect/>
+          </a:stretch>
+        </p:blipFill>
+        <p:spPr bwMode="auto">
+          <a:xfrm>
+            <a:off x="0" y="609600"/>
+            <a:ext cx="12192000" cy="5638800"/>
+          </a:xfrm>
+          <a:prstGeom prst="rect">
+            <a:avLst/>
+          </a:prstGeom>
+          <a:noFill/>
+          <a:extLst>
+            <a:ext uri="{909E8E84-426E-40DD-AFC4-6F175D3DCCD1}">
+              <a14:hiddenFill xmlns:a14="http://schemas.microsoft.com/office/drawing/2010/main">
+                <a:solidFill>
+                  <a:srgbClr val="FFFFFF"/>
+                </a:solidFill>
+              </a14:hiddenFill>
+            </a:ext>
+          </a:extLst>
+        </p:spPr>
+      </p:pic>
+    </p:spTree>
+    <p:extLst>
+      <p:ext uri="{BB962C8B-B14F-4D97-AF65-F5344CB8AC3E}">
+        <p14:creationId xmlns:p14="http://schemas.microsoft.com/office/powerpoint/2010/main" val="1254593400"/>
+      </p:ext>
+    </p:extLst>
+  </p:cSld>
+  <p:clrMapOvr>
+    <a:masterClrMapping/>
+  </p:clrMapOvr>
+</p:sld>
+</file>
+
+<file path=ppt/slides/slide23.xml><?xml version="1.0" encoding="utf-8"?>
 <p:sld xmlns:a="http://schemas.openxmlformats.org/drawingml/2006/main" xmlns:r="http://schemas.openxmlformats.org/officeDocument/2006/relationships" xmlns:p="http://schemas.openxmlformats.org/presentationml/2006/main">
   <p:cSld>
     <p:spTree>
